--- a/resource/pdf.pptx
+++ b/resource/pdf.pptx
@@ -5,10 +5,10 @@
     <p:sldMasterId id="2147483648" r:id="rId1"/>
   </p:sldMasterIdLst>
   <p:notesMasterIdLst>
-    <p:notesMasterId r:id="rId74"/>
+    <p:notesMasterId r:id="rId72"/>
   </p:notesMasterIdLst>
   <p:handoutMasterIdLst>
-    <p:handoutMasterId r:id="rId75"/>
+    <p:handoutMasterId r:id="rId73"/>
   </p:handoutMasterIdLst>
   <p:sldIdLst>
     <p:sldId id="259" r:id="rId2"/>
@@ -67,22 +67,20 @@
     <p:sldId id="326" r:id="rId55"/>
     <p:sldId id="328" r:id="rId56"/>
     <p:sldId id="329" r:id="rId57"/>
-    <p:sldId id="330" r:id="rId58"/>
-    <p:sldId id="331" r:id="rId59"/>
-    <p:sldId id="332" r:id="rId60"/>
-    <p:sldId id="346" r:id="rId61"/>
-    <p:sldId id="347" r:id="rId62"/>
-    <p:sldId id="349" r:id="rId63"/>
-    <p:sldId id="348" r:id="rId64"/>
-    <p:sldId id="350" r:id="rId65"/>
-    <p:sldId id="352" r:id="rId66"/>
-    <p:sldId id="334" r:id="rId67"/>
-    <p:sldId id="351" r:id="rId68"/>
-    <p:sldId id="333" r:id="rId69"/>
-    <p:sldId id="342" r:id="rId70"/>
-    <p:sldId id="343" r:id="rId71"/>
-    <p:sldId id="345" r:id="rId72"/>
-    <p:sldId id="344" r:id="rId73"/>
+    <p:sldId id="332" r:id="rId58"/>
+    <p:sldId id="346" r:id="rId59"/>
+    <p:sldId id="347" r:id="rId60"/>
+    <p:sldId id="349" r:id="rId61"/>
+    <p:sldId id="348" r:id="rId62"/>
+    <p:sldId id="350" r:id="rId63"/>
+    <p:sldId id="352" r:id="rId64"/>
+    <p:sldId id="334" r:id="rId65"/>
+    <p:sldId id="351" r:id="rId66"/>
+    <p:sldId id="333" r:id="rId67"/>
+    <p:sldId id="342" r:id="rId68"/>
+    <p:sldId id="343" r:id="rId69"/>
+    <p:sldId id="345" r:id="rId70"/>
+    <p:sldId id="344" r:id="rId71"/>
   </p:sldIdLst>
   <p:sldSz cx="9144000" cy="6858000" type="screen4x3"/>
   <p:notesSz cx="6858000" cy="9144000"/>
@@ -278,8 +276,6 @@
             <p14:sldId id="326"/>
             <p14:sldId id="328"/>
             <p14:sldId id="329"/>
-            <p14:sldId id="330"/>
-            <p14:sldId id="331"/>
             <p14:sldId id="332"/>
             <p14:sldId id="346"/>
             <p14:sldId id="347"/>
@@ -1534,7 +1530,7 @@
             <a:fld id="{75693FD4-8F83-4EF7-AC3F-0DC0388986B0}" type="slidenum">
               <a:rPr lang="en-US" smtClean="0"/>
               <a:pPr/>
-              <a:t>69</a:t>
+              <a:t>67</a:t>
             </a:fld>
             <a:endParaRPr lang="en-US" dirty="0"/>
           </a:p>
@@ -1614,7 +1610,7 @@
             <a:fld id="{75693FD4-8F83-4EF7-AC3F-0DC0388986B0}" type="slidenum">
               <a:rPr lang="en-US" smtClean="0"/>
               <a:pPr/>
-              <a:t>70</a:t>
+              <a:t>68</a:t>
             </a:fld>
             <a:endParaRPr lang="en-US" dirty="0"/>
           </a:p>
@@ -1694,7 +1690,7 @@
             <a:fld id="{75693FD4-8F83-4EF7-AC3F-0DC0388986B0}" type="slidenum">
               <a:rPr lang="en-US" smtClean="0"/>
               <a:pPr/>
-              <a:t>71</a:t>
+              <a:t>69</a:t>
             </a:fld>
             <a:endParaRPr lang="en-US" dirty="0"/>
           </a:p>
@@ -1774,7 +1770,7 @@
             <a:fld id="{75693FD4-8F83-4EF7-AC3F-0DC0388986B0}" type="slidenum">
               <a:rPr lang="en-US" smtClean="0"/>
               <a:pPr/>
-              <a:t>72</a:t>
+              <a:t>70</a:t>
             </a:fld>
             <a:endParaRPr lang="en-US" dirty="0"/>
           </a:p>
@@ -16923,7 +16919,7 @@
           <a:p>
             <a:r>
               <a:rPr lang="en-US" dirty="0" smtClean="0"/>
-              <a:t>Real Content and Artifacts</a:t>
+              <a:t>Accessibility support</a:t>
             </a:r>
             <a:endParaRPr lang="en-US" dirty="0"/>
           </a:p>
@@ -16946,61 +16942,28 @@
           <a:p>
             <a:r>
               <a:rPr lang="en-US" dirty="0" smtClean="0"/>
-              <a:t>Standard Structure Types</a:t>
-            </a:r>
-          </a:p>
-          <a:p>
-            <a:pPr lvl="1"/>
+              <a:t>Natural Language Specification</a:t>
+            </a:r>
+          </a:p>
+          <a:p>
             <a:r>
               <a:rPr lang="en-US" dirty="0" smtClean="0"/>
-              <a:t>Document, Part, Sect, </a:t>
-            </a:r>
-            <a:r>
-              <a:rPr lang="en-US" dirty="0" err="1" smtClean="0"/>
-              <a:t>Div</a:t>
-            </a:r>
-            <a:endParaRPr lang="en-US" dirty="0" smtClean="0"/>
-          </a:p>
-          <a:p>
-            <a:pPr lvl="1"/>
+              <a:t>Alternate Descriptions</a:t>
+            </a:r>
+          </a:p>
+          <a:p>
             <a:r>
               <a:rPr lang="en-US" dirty="0" smtClean="0"/>
-              <a:t>P, Span, TOC, List</a:t>
-            </a:r>
-          </a:p>
-          <a:p>
-            <a:pPr lvl="1"/>
+              <a:t>Replacement text</a:t>
+            </a:r>
+          </a:p>
+          <a:p>
             <a:r>
               <a:rPr lang="en-US" dirty="0" smtClean="0"/>
-              <a:t>Table, </a:t>
-            </a:r>
-            <a:r>
-              <a:rPr lang="en-US" dirty="0" err="1" smtClean="0"/>
-              <a:t>THead</a:t>
-            </a:r>
-            <a:r>
-              <a:rPr lang="en-US" dirty="0" smtClean="0"/>
-              <a:t>, </a:t>
-            </a:r>
-            <a:r>
-              <a:rPr lang="en-US" dirty="0" err="1" smtClean="0"/>
-              <a:t>Tbody</a:t>
-            </a:r>
-            <a:r>
-              <a:rPr lang="en-US" dirty="0" smtClean="0"/>
-              <a:t>, TR, TD</a:t>
-            </a:r>
-          </a:p>
-          <a:p>
-            <a:pPr lvl="1"/>
-            <a:r>
-              <a:rPr lang="en-US" dirty="0" smtClean="0"/>
-              <a:t>Figure, </a:t>
-            </a:r>
-            <a:r>
-              <a:rPr lang="en-US" dirty="0" err="1" smtClean="0"/>
-              <a:t>Annot</a:t>
-            </a:r>
+              <a:t>Expansion of Abbr. or Acronyms</a:t>
+            </a:r>
+          </a:p>
+          <a:p>
             <a:endParaRPr lang="en-US" dirty="0"/>
           </a:p>
         </p:txBody>
@@ -17008,7 +16971,7 @@
     </p:spTree>
     <p:extLst>
       <p:ext uri="{BB962C8B-B14F-4D97-AF65-F5344CB8AC3E}">
-        <p14:creationId xmlns:p14="http://schemas.microsoft.com/office/powerpoint/2010/main" val="3607991517"/>
+        <p14:creationId xmlns:p14="http://schemas.microsoft.com/office/powerpoint/2010/main" val="2974146386"/>
       </p:ext>
     </p:extLst>
   </p:cSld>
@@ -17055,7 +17018,7 @@
           <a:p>
             <a:r>
               <a:rPr lang="en-US" dirty="0" smtClean="0"/>
-              <a:t>Real Content and Artifacts</a:t>
+              <a:t>Navigation</a:t>
             </a:r>
             <a:endParaRPr lang="en-US" dirty="0"/>
           </a:p>
@@ -17078,42 +17041,18 @@
           <a:p>
             <a:r>
               <a:rPr lang="en-US" dirty="0" smtClean="0"/>
-              <a:t>Artifacts</a:t>
+              <a:t>Table of Contents</a:t>
             </a:r>
           </a:p>
           <a:p>
             <a:pPr lvl="1"/>
             <a:r>
               <a:rPr lang="en-US" dirty="0" smtClean="0"/>
-              <a:t>Page layout, graphical background</a:t>
-            </a:r>
-          </a:p>
-          <a:p>
-            <a:pPr lvl="1"/>
-            <a:r>
-              <a:rPr lang="en-US" dirty="0" smtClean="0"/>
-              <a:t>Page number, header, footer</a:t>
-            </a:r>
-          </a:p>
-          <a:p>
-            <a:pPr lvl="1"/>
-            <a:r>
-              <a:rPr lang="en-US" dirty="0" smtClean="0"/>
-              <a:t>Cut marks, color bars</a:t>
-            </a:r>
-          </a:p>
-          <a:p>
-            <a:pPr lvl="1"/>
-            <a:r>
-              <a:rPr lang="en-US" dirty="0" smtClean="0"/>
-              <a:t>Image without alternate description, patterns or colored blocks</a:t>
-            </a:r>
-          </a:p>
-          <a:p>
-            <a:pPr lvl="1"/>
-            <a:r>
-              <a:rPr lang="en-US" dirty="0" smtClean="0"/>
-              <a:t>Anything is not required for understanding the content</a:t>
+              <a:t>Where a document contains table of contents, PDF/UA confirming writers are encouraged to create Link structure elements including link annotations for each </a:t>
+            </a:r>
+            <a:r>
+              <a:rPr lang="en-US" smtClean="0"/>
+              <a:t>TOCI.</a:t>
             </a:r>
             <a:endParaRPr lang="en-US" dirty="0"/>
           </a:p>
@@ -17122,7 +17061,7 @@
     </p:spTree>
     <p:extLst>
       <p:ext uri="{BB962C8B-B14F-4D97-AF65-F5344CB8AC3E}">
-        <p14:creationId xmlns:p14="http://schemas.microsoft.com/office/powerpoint/2010/main" val="3402104973"/>
+        <p14:creationId xmlns:p14="http://schemas.microsoft.com/office/powerpoint/2010/main" val="3137518284"/>
       </p:ext>
     </p:extLst>
   </p:cSld>
@@ -17169,7 +17108,7 @@
           <a:p>
             <a:r>
               <a:rPr lang="en-US" dirty="0" smtClean="0"/>
-              <a:t>Accessibility support</a:t>
+              <a:t>Character Encoding</a:t>
             </a:r>
             <a:endParaRPr lang="en-US" dirty="0"/>
           </a:p>
@@ -17192,28 +17131,23 @@
           <a:p>
             <a:r>
               <a:rPr lang="en-US" dirty="0" smtClean="0"/>
-              <a:t>Natural Language Specification</a:t>
-            </a:r>
-          </a:p>
-          <a:p>
+              <a:t>What you saw in PDF viewer is a ‘Glyph’, Reading tools need a corresponding character when reading PDFs.</a:t>
+            </a:r>
+          </a:p>
+          <a:p>
+            <a:pPr marL="0" indent="0">
+              <a:buNone/>
+            </a:pPr>
+            <a:endParaRPr lang="en-US" dirty="0" smtClean="0"/>
+          </a:p>
+          <a:p>
+            <a:pPr marL="0" indent="0">
+              <a:buNone/>
+            </a:pPr>
             <a:r>
               <a:rPr lang="en-US" dirty="0" smtClean="0"/>
-              <a:t>Alternate Descriptions</a:t>
-            </a:r>
-          </a:p>
-          <a:p>
-            <a:r>
-              <a:rPr lang="en-US" dirty="0" smtClean="0"/>
-              <a:t>Replacement text</a:t>
-            </a:r>
-          </a:p>
-          <a:p>
-            <a:r>
-              <a:rPr lang="en-US" dirty="0" smtClean="0"/>
-              <a:t>Expansion of Abbr. or Acronyms</a:t>
-            </a:r>
-          </a:p>
-          <a:p>
+              <a:t>EXAMPLE</a:t>
+            </a:r>
             <a:endParaRPr lang="en-US" dirty="0"/>
           </a:p>
         </p:txBody>
@@ -17221,7 +17155,7 @@
     </p:spTree>
     <p:extLst>
       <p:ext uri="{BB962C8B-B14F-4D97-AF65-F5344CB8AC3E}">
-        <p14:creationId xmlns:p14="http://schemas.microsoft.com/office/powerpoint/2010/main" val="2974146386"/>
+        <p14:creationId xmlns:p14="http://schemas.microsoft.com/office/powerpoint/2010/main" val="2781014806"/>
       </p:ext>
     </p:extLst>
   </p:cSld>
@@ -17487,7 +17421,7 @@
           <a:p>
             <a:r>
               <a:rPr lang="en-US" dirty="0" smtClean="0"/>
-              <a:t>Navigation</a:t>
+              <a:t>Tagged PDF</a:t>
             </a:r>
             <a:endParaRPr lang="en-US" dirty="0"/>
           </a:p>
@@ -17510,18 +17444,33 @@
           <a:p>
             <a:r>
               <a:rPr lang="en-US" dirty="0" smtClean="0"/>
-              <a:t>Table of Contents</a:t>
+              <a:t>Real Content</a:t>
             </a:r>
           </a:p>
           <a:p>
             <a:pPr lvl="1"/>
             <a:r>
               <a:rPr lang="en-US" dirty="0" smtClean="0"/>
-              <a:t>Where a document contains table of contents, PDF/UA confirming writers are encouraged to create Link structure elements including link annotations for each </a:t>
-            </a:r>
-            <a:r>
-              <a:rPr lang="en-US" smtClean="0"/>
-              <a:t>TOCI.</a:t>
+              <a:t>Meaningful content</a:t>
+            </a:r>
+          </a:p>
+          <a:p>
+            <a:pPr marL="457200" lvl="1" indent="0">
+              <a:buNone/>
+            </a:pPr>
+            <a:endParaRPr lang="en-US" dirty="0" smtClean="0"/>
+          </a:p>
+          <a:p>
+            <a:r>
+              <a:rPr lang="en-US" dirty="0" smtClean="0"/>
+              <a:t>Artifact</a:t>
+            </a:r>
+          </a:p>
+          <a:p>
+            <a:pPr lvl="1"/>
+            <a:r>
+              <a:rPr lang="en-US" dirty="0" smtClean="0"/>
+              <a:t>No meaningful content</a:t>
             </a:r>
             <a:endParaRPr lang="en-US" dirty="0"/>
           </a:p>
@@ -17530,7 +17479,7 @@
     </p:spTree>
     <p:extLst>
       <p:ext uri="{BB962C8B-B14F-4D97-AF65-F5344CB8AC3E}">
-        <p14:creationId xmlns:p14="http://schemas.microsoft.com/office/powerpoint/2010/main" val="3137518284"/>
+        <p14:creationId xmlns:p14="http://schemas.microsoft.com/office/powerpoint/2010/main" val="2204814875"/>
       </p:ext>
     </p:extLst>
   </p:cSld>
@@ -17572,54 +17521,94 @@
         </p:nvSpPr>
         <p:spPr/>
         <p:txBody>
+          <a:bodyPr>
+            <a:normAutofit/>
+          </a:bodyPr>
+          <a:lstStyle/>
+          <a:p>
+            <a:r>
+              <a:rPr lang="en-US" dirty="0"/>
+              <a:t>Real </a:t>
+            </a:r>
+            <a:r>
+              <a:rPr lang="en-US" dirty="0" smtClean="0"/>
+              <a:t>Content</a:t>
+            </a:r>
+            <a:endParaRPr lang="en-US" dirty="0"/>
+          </a:p>
+        </p:txBody>
+      </p:sp>
+      <p:sp>
+        <p:nvSpPr>
+          <p:cNvPr id="3" name="Content Placeholder 2"/>
+          <p:cNvSpPr>
+            <a:spLocks noGrp="1"/>
+          </p:cNvSpPr>
+          <p:nvPr>
+            <p:ph idx="1"/>
+          </p:nvPr>
+        </p:nvSpPr>
+        <p:spPr/>
+        <p:txBody>
           <a:bodyPr/>
           <a:lstStyle/>
           <a:p>
             <a:r>
-              <a:rPr lang="en-US" dirty="0" smtClean="0"/>
-              <a:t>Character Encoding</a:t>
+              <a:rPr lang="en-US" dirty="0"/>
+              <a:t>Standard Structure Types</a:t>
+            </a:r>
+          </a:p>
+          <a:p>
+            <a:pPr lvl="1"/>
+            <a:r>
+              <a:rPr lang="en-US" dirty="0"/>
+              <a:t>Document, Part, Sect, </a:t>
+            </a:r>
+            <a:r>
+              <a:rPr lang="en-US" dirty="0" err="1"/>
+              <a:t>Div</a:t>
             </a:r>
             <a:endParaRPr lang="en-US" dirty="0"/>
           </a:p>
-        </p:txBody>
-      </p:sp>
-      <p:sp>
-        <p:nvSpPr>
-          <p:cNvPr id="3" name="Content Placeholder 2"/>
-          <p:cNvSpPr>
-            <a:spLocks noGrp="1"/>
-          </p:cNvSpPr>
-          <p:nvPr>
-            <p:ph idx="1"/>
-          </p:nvPr>
-        </p:nvSpPr>
-        <p:spPr/>
-        <p:txBody>
-          <a:bodyPr/>
-          <a:lstStyle/>
-          <a:p>
-            <a:r>
-              <a:rPr lang="en-US" dirty="0" smtClean="0"/>
-              <a:t>What you saw </a:t>
-            </a:r>
-            <a:r>
-              <a:rPr lang="en-US" dirty="0" smtClean="0"/>
-              <a:t>in PDF viewer is a ‘Glyph’, Reading tools need a corresponding character when reading PDFs.</a:t>
-            </a:r>
-          </a:p>
-          <a:p>
-            <a:pPr marL="0" indent="0">
-              <a:buNone/>
-            </a:pPr>
-            <a:endParaRPr lang="en-US" dirty="0" smtClean="0"/>
-          </a:p>
-          <a:p>
-            <a:pPr marL="0" indent="0">
-              <a:buNone/>
-            </a:pPr>
-            <a:r>
-              <a:rPr lang="en-US" dirty="0" smtClean="0"/>
-              <a:t>EXAMPLE</a:t>
+          <a:p>
+            <a:pPr lvl="1"/>
+            <a:r>
+              <a:rPr lang="en-US" dirty="0"/>
+              <a:t>P, Span, TOC, List</a:t>
+            </a:r>
+          </a:p>
+          <a:p>
+            <a:pPr lvl="1"/>
+            <a:r>
+              <a:rPr lang="en-US" dirty="0"/>
+              <a:t>Table, </a:t>
+            </a:r>
+            <a:r>
+              <a:rPr lang="en-US" dirty="0" err="1"/>
+              <a:t>THead</a:t>
+            </a:r>
+            <a:r>
+              <a:rPr lang="en-US" dirty="0"/>
+              <a:t>, </a:t>
+            </a:r>
+            <a:r>
+              <a:rPr lang="en-US" dirty="0" err="1"/>
+              <a:t>Tbody</a:t>
+            </a:r>
+            <a:r>
+              <a:rPr lang="en-US" dirty="0"/>
+              <a:t>, TR, TD</a:t>
+            </a:r>
+          </a:p>
+          <a:p>
+            <a:pPr lvl="1"/>
+            <a:r>
+              <a:rPr lang="en-US" dirty="0"/>
+              <a:t>Figure, </a:t>
+            </a:r>
+            <a:r>
+              <a:rPr lang="en-US" dirty="0" err="1"/>
+              <a:t>Annot</a:t>
             </a:r>
             <a:endParaRPr lang="en-US" dirty="0"/>
           </a:p>
@@ -17628,7 +17617,7 @@
     </p:spTree>
     <p:extLst>
       <p:ext uri="{BB962C8B-B14F-4D97-AF65-F5344CB8AC3E}">
-        <p14:creationId xmlns:p14="http://schemas.microsoft.com/office/powerpoint/2010/main" val="2781014806"/>
+        <p14:creationId xmlns:p14="http://schemas.microsoft.com/office/powerpoint/2010/main" val="375175854"/>
       </p:ext>
     </p:extLst>
   </p:cSld>
@@ -17670,70 +17659,107 @@
         </p:nvSpPr>
         <p:spPr/>
         <p:txBody>
-          <a:bodyPr/>
-          <a:lstStyle/>
-          <a:p>
-            <a:r>
-              <a:rPr lang="en-US" dirty="0" smtClean="0"/>
-              <a:t>Tagged PDF</a:t>
-            </a:r>
-            <a:endParaRPr lang="en-US" dirty="0"/>
-          </a:p>
-        </p:txBody>
-      </p:sp>
-      <p:sp>
-        <p:nvSpPr>
-          <p:cNvPr id="3" name="Content Placeholder 2"/>
-          <p:cNvSpPr>
-            <a:spLocks noGrp="1"/>
-          </p:cNvSpPr>
-          <p:nvPr>
-            <p:ph idx="1"/>
-          </p:nvPr>
-        </p:nvSpPr>
-        <p:spPr/>
-        <p:txBody>
-          <a:bodyPr/>
-          <a:lstStyle/>
-          <a:p>
-            <a:r>
-              <a:rPr lang="en-US" dirty="0" smtClean="0"/>
-              <a:t>Real Content</a:t>
-            </a:r>
-          </a:p>
-          <a:p>
-            <a:pPr lvl="1"/>
-            <a:r>
-              <a:rPr lang="en-US" dirty="0" smtClean="0"/>
-              <a:t>Meaningful content</a:t>
-            </a:r>
-          </a:p>
-          <a:p>
-            <a:pPr marL="457200" lvl="1" indent="0">
-              <a:buNone/>
-            </a:pPr>
-            <a:endParaRPr lang="en-US" dirty="0" smtClean="0"/>
-          </a:p>
+          <a:bodyPr>
+            <a:normAutofit/>
+          </a:bodyPr>
+          <a:lstStyle/>
           <a:p>
             <a:r>
               <a:rPr lang="en-US" dirty="0" smtClean="0"/>
               <a:t>Artifact</a:t>
             </a:r>
-          </a:p>
-          <a:p>
-            <a:pPr lvl="1"/>
+            <a:endParaRPr lang="en-US" dirty="0"/>
+          </a:p>
+        </p:txBody>
+      </p:sp>
+      <p:sp>
+        <p:nvSpPr>
+          <p:cNvPr id="3" name="Content Placeholder 2"/>
+          <p:cNvSpPr>
+            <a:spLocks noGrp="1"/>
+          </p:cNvSpPr>
+          <p:nvPr>
+            <p:ph idx="1"/>
+          </p:nvPr>
+        </p:nvSpPr>
+        <p:spPr/>
+        <p:txBody>
+          <a:bodyPr>
+            <a:normAutofit/>
+          </a:bodyPr>
+          <a:lstStyle/>
+          <a:p>
             <a:r>
               <a:rPr lang="en-US" dirty="0" smtClean="0"/>
               <a:t>No meaningful content</a:t>
             </a:r>
-            <a:endParaRPr lang="en-US" dirty="0"/>
+          </a:p>
+          <a:p>
+            <a:pPr lvl="1"/>
+            <a:r>
+              <a:rPr lang="en-US" dirty="0" smtClean="0"/>
+              <a:t>Page header, footer, page number</a:t>
+            </a:r>
+          </a:p>
+          <a:p>
+            <a:pPr lvl="1"/>
+            <a:r>
+              <a:rPr lang="en-US" dirty="0" smtClean="0"/>
+              <a:t>Logo, background graphics</a:t>
+            </a:r>
+            <a:r>
+              <a:rPr lang="en-US" dirty="0"/>
+              <a:t>, path</a:t>
+            </a:r>
+            <a:r>
+              <a:rPr lang="en-US" dirty="0" smtClean="0"/>
+              <a:t>…</a:t>
+            </a:r>
+          </a:p>
+          <a:p>
+            <a:pPr lvl="1"/>
+            <a:r>
+              <a:rPr lang="en-US" dirty="0" smtClean="0"/>
+              <a:t>Cut </a:t>
+            </a:r>
+            <a:r>
+              <a:rPr lang="en-US" dirty="0"/>
+              <a:t>marks, color bars</a:t>
+            </a:r>
+          </a:p>
+          <a:p>
+            <a:pPr lvl="1"/>
+            <a:r>
+              <a:rPr lang="en-US" dirty="0"/>
+              <a:t>Image without alternate description, patterns or colored </a:t>
+            </a:r>
+            <a:r>
+              <a:rPr lang="en-US" dirty="0" smtClean="0"/>
+              <a:t>blocks</a:t>
+            </a:r>
+            <a:endParaRPr lang="en-US" dirty="0" smtClean="0"/>
+          </a:p>
+          <a:p>
+            <a:pPr lvl="1"/>
+            <a:r>
+              <a:rPr lang="en-US" dirty="0" smtClean="0"/>
+              <a:t>No </a:t>
+            </a:r>
+            <a:r>
+              <a:rPr lang="en-US" dirty="0" smtClean="0"/>
+              <a:t>meaningful text (such as hyphen character’-’, Copyright</a:t>
+            </a:r>
+            <a:r>
+              <a:rPr lang="en-US" dirty="0" smtClean="0"/>
+              <a:t>…)</a:t>
+            </a:r>
           </a:p>
         </p:txBody>
       </p:sp>
     </p:spTree>
     <p:extLst>
       <p:ext uri="{BB962C8B-B14F-4D97-AF65-F5344CB8AC3E}">
-        <p14:creationId xmlns:p14="http://schemas.microsoft.com/office/powerpoint/2010/main" val="2204814875"/>
+        <p14:creationId xmlns:p14="http://schemas.microsoft.com/office/powerpoint/2010/main" val="1009470626"/>
       </p:ext>
     </p:extLst>
   </p:cSld>
@@ -17781,12 +17807,8 @@
           <a:lstStyle/>
           <a:p>
             <a:r>
-              <a:rPr lang="en-US" dirty="0"/>
-              <a:t>Real </a:t>
-            </a:r>
-            <a:r>
               <a:rPr lang="en-US" dirty="0" smtClean="0"/>
-              <a:t>Content</a:t>
+              <a:t>Chart</a:t>
             </a:r>
             <a:endParaRPr lang="en-US" dirty="0"/>
           </a:p>
@@ -17807,31 +17829,32 @@
           <a:bodyPr/>
           <a:lstStyle/>
           <a:p>
-            <a:r>
-              <a:rPr lang="en-US" dirty="0"/>
-              <a:t>Standard Structure Element</a:t>
-            </a:r>
+            <a:pPr marL="0" indent="0">
+              <a:buNone/>
+            </a:pPr>
             <a:endParaRPr lang="en-US" dirty="0" smtClean="0"/>
           </a:p>
           <a:p>
-            <a:pPr lvl="1"/>
+            <a:pPr marL="0" indent="0">
+              <a:buNone/>
+            </a:pPr>
+            <a:endParaRPr lang="en-US" dirty="0"/>
+          </a:p>
+          <a:p>
+            <a:pPr marL="0" indent="0">
+              <a:buNone/>
+            </a:pPr>
             <a:r>
               <a:rPr lang="en-US" dirty="0" smtClean="0"/>
-              <a:t>Document, Part, Section…</a:t>
-            </a:r>
-          </a:p>
-          <a:p>
-            <a:pPr lvl="1"/>
+              <a:t>Why Chart in a document can’t be PDF in </a:t>
+            </a:r>
+            <a:r>
+              <a:rPr lang="en-US" dirty="0" err="1" smtClean="0"/>
+              <a:t>xPressoin</a:t>
+            </a:r>
             <a:r>
               <a:rPr lang="en-US" dirty="0" smtClean="0"/>
-              <a:t>TOC, List, Heading…</a:t>
-            </a:r>
-          </a:p>
-          <a:p>
-            <a:pPr lvl="1"/>
-            <a:r>
-              <a:rPr lang="en-US" dirty="0" smtClean="0"/>
-              <a:t>Figure, Link…</a:t>
+              <a:t> PDF/UA?</a:t>
             </a:r>
           </a:p>
         </p:txBody>
@@ -17839,7 +17862,7 @@
     </p:spTree>
     <p:extLst>
       <p:ext uri="{BB962C8B-B14F-4D97-AF65-F5344CB8AC3E}">
-        <p14:creationId xmlns:p14="http://schemas.microsoft.com/office/powerpoint/2010/main" val="375175854"/>
+        <p14:creationId xmlns:p14="http://schemas.microsoft.com/office/powerpoint/2010/main" val="2815511749"/>
       </p:ext>
     </p:extLst>
   </p:cSld>
@@ -17881,14 +17904,12 @@
         </p:nvSpPr>
         <p:spPr/>
         <p:txBody>
-          <a:bodyPr>
-            <a:normAutofit/>
-          </a:bodyPr>
+          <a:bodyPr/>
           <a:lstStyle/>
           <a:p>
             <a:r>
               <a:rPr lang="en-US" dirty="0" smtClean="0"/>
-              <a:t>Artifact</a:t>
+              <a:t>Validation</a:t>
             </a:r>
             <a:endParaRPr lang="en-US" dirty="0"/>
           </a:p>
@@ -17909,38 +17930,61 @@
           <a:bodyPr/>
           <a:lstStyle/>
           <a:p>
+            <a:pPr marL="0" indent="0">
+              <a:buNone/>
+            </a:pPr>
+            <a:endParaRPr lang="en-US" dirty="0" smtClean="0"/>
+          </a:p>
+          <a:p>
+            <a:pPr marL="0" indent="0">
+              <a:buNone/>
+            </a:pPr>
+            <a:endParaRPr lang="en-US" dirty="0"/>
+          </a:p>
+          <a:p>
+            <a:pPr marL="0" indent="0">
+              <a:buNone/>
+            </a:pPr>
             <a:r>
               <a:rPr lang="en-US" dirty="0" smtClean="0"/>
-              <a:t>No meaningful content</a:t>
-            </a:r>
-          </a:p>
-          <a:p>
-            <a:pPr lvl="1"/>
+              <a:t>Dose </a:t>
+            </a:r>
+            <a:r>
+              <a:rPr lang="en-US" dirty="0" err="1" smtClean="0"/>
+              <a:t>XPressoin</a:t>
+            </a:r>
             <a:r>
               <a:rPr lang="en-US" dirty="0" smtClean="0"/>
-              <a:t>Page header, footer, page number</a:t>
-            </a:r>
-          </a:p>
-          <a:p>
-            <a:pPr lvl="1"/>
+              <a:t> need a own PDF/UA checker?</a:t>
+            </a:r>
+          </a:p>
+          <a:p>
+            <a:pPr marL="0" indent="0">
+              <a:buNone/>
+            </a:pPr>
+            <a:endParaRPr lang="en-US" dirty="0" smtClean="0"/>
+          </a:p>
+          <a:p>
+            <a:pPr marL="0" indent="0">
+              <a:buNone/>
+            </a:pPr>
             <a:r>
               <a:rPr lang="en-US" dirty="0" smtClean="0"/>
-              <a:t>Logo, background graphics, path…</a:t>
-            </a:r>
-          </a:p>
-          <a:p>
-            <a:pPr lvl="1"/>
-            <a:r>
-              <a:rPr lang="en-US" dirty="0" smtClean="0"/>
-              <a:t>No meaningful text (such as hyphen character’-’, Copyright…)</a:t>
-            </a:r>
+              <a:t>Simple and Effective</a:t>
+            </a:r>
+          </a:p>
+          <a:p>
+            <a:pPr marL="0" indent="0">
+              <a:buNone/>
+            </a:pPr>
+            <a:endParaRPr lang="en-US" dirty="0" smtClean="0"/>
           </a:p>
         </p:txBody>
       </p:sp>
     </p:spTree>
     <p:extLst>
       <p:ext uri="{BB962C8B-B14F-4D97-AF65-F5344CB8AC3E}">
-        <p14:creationId xmlns:p14="http://schemas.microsoft.com/office/powerpoint/2010/main" val="1009470626"/>
+        <p14:creationId xmlns:p14="http://schemas.microsoft.com/office/powerpoint/2010/main" val="3292591879"/>
       </p:ext>
     </p:extLst>
   </p:cSld>
@@ -17982,14 +18026,12 @@
         </p:nvSpPr>
         <p:spPr/>
         <p:txBody>
-          <a:bodyPr>
-            <a:normAutofit/>
-          </a:bodyPr>
+          <a:bodyPr/>
           <a:lstStyle/>
           <a:p>
             <a:r>
               <a:rPr lang="en-US" dirty="0" smtClean="0"/>
-              <a:t>Chart</a:t>
+              <a:t>Validation</a:t>
             </a:r>
             <a:endParaRPr lang="en-US" dirty="0"/>
           </a:p>
@@ -18010,32 +18052,48 @@
           <a:bodyPr/>
           <a:lstStyle/>
           <a:p>
-            <a:pPr marL="0" indent="0">
-              <a:buNone/>
-            </a:pPr>
+            <a:r>
+              <a:rPr lang="en-US" dirty="0" smtClean="0"/>
+              <a:t>PDF Association</a:t>
+            </a:r>
+          </a:p>
+          <a:p>
+            <a:pPr lvl="1"/>
+            <a:r>
+              <a:rPr lang="en-US" dirty="0">
+                <a:hlinkClick r:id="rId2"/>
+              </a:rPr>
+              <a:t>http://www.pdfa.org</a:t>
+            </a:r>
+            <a:r>
+              <a:rPr lang="en-US" dirty="0" smtClean="0">
+                <a:hlinkClick r:id="rId2"/>
+              </a:rPr>
+              <a:t>/</a:t>
+            </a:r>
+            <a:endParaRPr lang="en-US" dirty="0"/>
+          </a:p>
+          <a:p>
             <a:endParaRPr lang="en-US" dirty="0" smtClean="0"/>
           </a:p>
           <a:p>
-            <a:pPr marL="0" indent="0">
-              <a:buNone/>
-            </a:pPr>
-            <a:endParaRPr lang="en-US" dirty="0"/>
-          </a:p>
-          <a:p>
-            <a:pPr marL="0" indent="0">
-              <a:buNone/>
-            </a:pPr>
             <a:r>
               <a:rPr lang="en-US" dirty="0" smtClean="0"/>
-              <a:t>Why Chart in a document can’t be PDF in </a:t>
-            </a:r>
-            <a:r>
-              <a:rPr lang="en-US" dirty="0" err="1" smtClean="0"/>
-              <a:t>xPressoin</a:t>
-            </a:r>
+              <a:t>Matterhorn Protocol</a:t>
+            </a:r>
+          </a:p>
+          <a:p>
+            <a:pPr lvl="1"/>
             <a:r>
               <a:rPr lang="en-US" dirty="0" smtClean="0"/>
-              <a:t> PDF/UA?</a:t>
+              <a:t>PDF/UA Conformance Testing Model</a:t>
+            </a:r>
+          </a:p>
+          <a:p>
+            <a:pPr lvl="1"/>
+            <a:r>
+              <a:rPr lang="en-US" dirty="0" smtClean="0"/>
+              <a:t>Human / Machine</a:t>
             </a:r>
           </a:p>
         </p:txBody>
@@ -18043,7 +18101,7 @@
     </p:spTree>
     <p:extLst>
       <p:ext uri="{BB962C8B-B14F-4D97-AF65-F5344CB8AC3E}">
-        <p14:creationId xmlns:p14="http://schemas.microsoft.com/office/powerpoint/2010/main" val="2815511749"/>
+        <p14:creationId xmlns:p14="http://schemas.microsoft.com/office/powerpoint/2010/main" val="2868668056"/>
       </p:ext>
     </p:extLst>
   </p:cSld>
@@ -18111,53 +18169,34 @@
           <a:bodyPr/>
           <a:lstStyle/>
           <a:p>
-            <a:pPr marL="0" indent="0">
-              <a:buNone/>
-            </a:pPr>
+            <a:r>
+              <a:rPr lang="en-US" dirty="0" smtClean="0"/>
+              <a:t>Acrobat Pro XI </a:t>
+            </a:r>
+          </a:p>
+          <a:p>
             <a:endParaRPr lang="en-US" dirty="0" smtClean="0"/>
           </a:p>
           <a:p>
-            <a:pPr marL="0" indent="0">
-              <a:buNone/>
-            </a:pPr>
-            <a:endParaRPr lang="en-US" dirty="0"/>
-          </a:p>
-          <a:p>
-            <a:pPr marL="0" indent="0">
-              <a:buNone/>
-            </a:pPr>
             <a:r>
               <a:rPr lang="en-US" dirty="0" smtClean="0"/>
-              <a:t>Dose </a:t>
-            </a:r>
-            <a:r>
-              <a:rPr lang="en-US" dirty="0" err="1" smtClean="0"/>
-              <a:t>XPressoin</a:t>
-            </a:r>
-            <a:r>
-              <a:rPr lang="en-US" dirty="0" smtClean="0"/>
-              <a:t> need a own PDF/UA checker?</a:t>
-            </a:r>
-          </a:p>
-          <a:p>
-            <a:pPr marL="0" indent="0">
-              <a:buNone/>
-            </a:pPr>
-            <a:endParaRPr lang="en-US" dirty="0" smtClean="0"/>
-          </a:p>
-          <a:p>
-            <a:pPr marL="0" indent="0">
-              <a:buNone/>
-            </a:pPr>
-            <a:r>
-              <a:rPr lang="en-US" dirty="0" smtClean="0"/>
-              <a:t>Simple and Effective</a:t>
-            </a:r>
-          </a:p>
-          <a:p>
-            <a:pPr marL="0" indent="0">
-              <a:buNone/>
-            </a:pPr>
+              <a:t>PAC 2</a:t>
+            </a:r>
+          </a:p>
+          <a:p>
+            <a:pPr lvl="1"/>
+            <a:r>
+              <a:rPr lang="en-US" dirty="0">
+                <a:hlinkClick r:id="rId2"/>
+              </a:rPr>
+              <a:t>http://</a:t>
+            </a:r>
+            <a:r>
+              <a:rPr lang="en-US" dirty="0" smtClean="0">
+                <a:hlinkClick r:id="rId2"/>
+              </a:rPr>
+              <a:t>www.access-for-all.ch/en/pdf-lab.html</a:t>
+            </a:r>
             <a:endParaRPr lang="en-US" dirty="0" smtClean="0"/>
           </a:p>
         </p:txBody>
@@ -18165,7 +18204,7 @@
     </p:spTree>
     <p:extLst>
       <p:ext uri="{BB962C8B-B14F-4D97-AF65-F5344CB8AC3E}">
-        <p14:creationId xmlns:p14="http://schemas.microsoft.com/office/powerpoint/2010/main" val="3292591879"/>
+        <p14:creationId xmlns:p14="http://schemas.microsoft.com/office/powerpoint/2010/main" val="914957109"/>
       </p:ext>
     </p:extLst>
   </p:cSld>
@@ -18195,94 +18234,158 @@
           <a:chExt cx="0" cy="0"/>
         </a:xfrm>
       </p:grpSpPr>
-      <p:sp>
-        <p:nvSpPr>
-          <p:cNvPr id="2" name="Title 1"/>
-          <p:cNvSpPr>
-            <a:spLocks noGrp="1"/>
-          </p:cNvSpPr>
-          <p:nvPr>
-            <p:ph type="title"/>
-          </p:nvPr>
-        </p:nvSpPr>
-        <p:spPr/>
-        <p:txBody>
-          <a:bodyPr/>
-          <a:lstStyle/>
-          <a:p>
-            <a:r>
-              <a:rPr lang="en-US" dirty="0" smtClean="0"/>
-              <a:t>Validation</a:t>
-            </a:r>
-            <a:endParaRPr lang="en-US" dirty="0"/>
-          </a:p>
-        </p:txBody>
-      </p:sp>
-      <p:sp>
-        <p:nvSpPr>
-          <p:cNvPr id="3" name="Content Placeholder 2"/>
-          <p:cNvSpPr>
-            <a:spLocks noGrp="1"/>
-          </p:cNvSpPr>
-          <p:nvPr>
-            <p:ph idx="1"/>
-          </p:nvPr>
-        </p:nvSpPr>
-        <p:spPr/>
-        <p:txBody>
-          <a:bodyPr/>
-          <a:lstStyle/>
-          <a:p>
-            <a:r>
-              <a:rPr lang="en-US" dirty="0" smtClean="0"/>
-              <a:t>PDF Association</a:t>
-            </a:r>
-          </a:p>
-          <a:p>
-            <a:pPr lvl="1"/>
-            <a:r>
-              <a:rPr lang="en-US" dirty="0">
-                <a:hlinkClick r:id="rId2"/>
-              </a:rPr>
-              <a:t>http://www.pdfa.org</a:t>
-            </a:r>
-            <a:r>
-              <a:rPr lang="en-US" dirty="0" smtClean="0">
-                <a:hlinkClick r:id="rId2"/>
-              </a:rPr>
-              <a:t>/</a:t>
-            </a:r>
-            <a:endParaRPr lang="en-US" dirty="0"/>
-          </a:p>
-          <a:p>
-            <a:endParaRPr lang="en-US" dirty="0" smtClean="0"/>
-          </a:p>
-          <a:p>
-            <a:r>
-              <a:rPr lang="en-US" dirty="0" smtClean="0"/>
-              <a:t>Matterhorn Protocol</a:t>
-            </a:r>
-          </a:p>
-          <a:p>
-            <a:pPr lvl="1"/>
-            <a:r>
-              <a:rPr lang="en-US" dirty="0" smtClean="0"/>
-              <a:t>PDF/UA Conformance Testing Model</a:t>
-            </a:r>
-          </a:p>
-          <a:p>
-            <a:pPr lvl="1"/>
-            <a:r>
-              <a:rPr lang="en-US" dirty="0" smtClean="0"/>
-              <a:t>Human / Machine</a:t>
-            </a:r>
+      <p:pic>
+        <p:nvPicPr>
+          <p:cNvPr id="6" name="Picture 5"/>
+          <p:cNvPicPr>
+            <a:picLocks noChangeAspect="1"/>
+          </p:cNvPicPr>
+          <p:nvPr/>
+        </p:nvPicPr>
+        <p:blipFill>
+          <a:blip r:embed="rId3" cstate="email">
+            <a:extLst>
+              <a:ext uri="{28A0092B-C50C-407E-A947-70E740481C1C}">
+                <a14:useLocalDpi xmlns:a14="http://schemas.microsoft.com/office/drawing/2010/main"/>
+              </a:ext>
+            </a:extLst>
+          </a:blip>
+          <a:stretch>
+            <a:fillRect/>
+          </a:stretch>
+        </p:blipFill>
+        <p:spPr>
+          <a:xfrm>
+            <a:off x="-4963332" y="-6858000"/>
+            <a:ext cx="7765662" cy="16476125"/>
+          </a:xfrm>
+          <a:prstGeom prst="rect">
+            <a:avLst/>
+          </a:prstGeom>
+        </p:spPr>
+      </p:pic>
+      <p:pic>
+        <p:nvPicPr>
+          <p:cNvPr id="13" name="Picture 12"/>
+          <p:cNvPicPr>
+            <a:picLocks noChangeAspect="1"/>
+          </p:cNvPicPr>
+          <p:nvPr/>
+        </p:nvPicPr>
+        <p:blipFill rotWithShape="1">
+          <a:blip r:embed="rId4" cstate="email">
+            <a:extLst>
+              <a:ext uri="{28A0092B-C50C-407E-A947-70E740481C1C}">
+                <a14:useLocalDpi xmlns:a14="http://schemas.microsoft.com/office/drawing/2010/main"/>
+              </a:ext>
+            </a:extLst>
+          </a:blip>
+          <a:srcRect/>
+          <a:stretch/>
+        </p:blipFill>
+        <p:spPr>
+          <a:xfrm rot="20753331" flipH="1">
+            <a:off x="-316180" y="3775286"/>
+            <a:ext cx="2895600" cy="3390489"/>
+          </a:xfrm>
+          <a:prstGeom prst="rect">
+            <a:avLst/>
+          </a:prstGeom>
+        </p:spPr>
+      </p:pic>
+      <p:sp>
+        <p:nvSpPr>
+          <p:cNvPr id="5" name="TextBox 4"/>
+          <p:cNvSpPr txBox="1"/>
+          <p:nvPr/>
+        </p:nvSpPr>
+        <p:spPr>
+          <a:xfrm>
+            <a:off x="899592" y="476672"/>
+            <a:ext cx="7416824" cy="864096"/>
+          </a:xfrm>
+          <a:prstGeom prst="rect">
+            <a:avLst/>
+          </a:prstGeom>
+          <a:noFill/>
+        </p:spPr>
+        <p:txBody>
+          <a:bodyPr wrap="square" rtlCol="0">
+            <a:normAutofit fontScale="85000" lnSpcReduction="20000"/>
+          </a:bodyPr>
+          <a:lstStyle/>
+          <a:p>
+            <a:r>
+              <a:rPr lang="en-US" sz="7200" dirty="0" smtClean="0"/>
+              <a:t>PDF and Open Source</a:t>
+            </a:r>
+          </a:p>
+        </p:txBody>
+      </p:sp>
+      <p:sp>
+        <p:nvSpPr>
+          <p:cNvPr id="2" name="TextBox 1"/>
+          <p:cNvSpPr txBox="1"/>
+          <p:nvPr/>
+        </p:nvSpPr>
+        <p:spPr>
+          <a:xfrm>
+            <a:off x="899592" y="1405973"/>
+            <a:ext cx="7776864" cy="1754326"/>
+          </a:xfrm>
+          <a:prstGeom prst="rect">
+            <a:avLst/>
+          </a:prstGeom>
+          <a:noFill/>
+        </p:spPr>
+        <p:txBody>
+          <a:bodyPr wrap="square" rtlCol="0">
+            <a:spAutoFit/>
+          </a:bodyPr>
+          <a:lstStyle/>
+          <a:p>
+            <a:pPr marL="285750" indent="-285750">
+              <a:buFont typeface="Arial" pitchFamily="34" charset="0"/>
+              <a:buChar char="•"/>
+            </a:pPr>
+            <a:r>
+              <a:rPr lang="en-GB" sz="3600" dirty="0" err="1" smtClean="0"/>
+              <a:t>Foxit</a:t>
+            </a:r>
+            <a:r>
+              <a:rPr lang="en-GB" sz="3600" dirty="0" smtClean="0"/>
+              <a:t> &amp; </a:t>
+            </a:r>
+            <a:r>
+              <a:rPr lang="en-GB" sz="3600" dirty="0" err="1" smtClean="0"/>
+              <a:t>PDFium</a:t>
+            </a:r>
+            <a:endParaRPr lang="en-GB" sz="3600" dirty="0" smtClean="0"/>
+          </a:p>
+          <a:p>
+            <a:pPr marL="285750" indent="-285750">
+              <a:buFont typeface="Arial" pitchFamily="34" charset="0"/>
+              <a:buChar char="•"/>
+            </a:pPr>
+            <a:endParaRPr lang="en-GB" sz="3600" dirty="0"/>
+          </a:p>
+          <a:p>
+            <a:pPr marL="285750" indent="-285750">
+              <a:buFont typeface="Arial" pitchFamily="34" charset="0"/>
+              <a:buChar char="•"/>
+            </a:pPr>
+            <a:r>
+              <a:rPr lang="en-GB" sz="3600" dirty="0" err="1" smtClean="0"/>
+              <a:t>GhostScript</a:t>
+            </a:r>
+            <a:endParaRPr lang="en-GB" sz="3600" dirty="0"/>
           </a:p>
         </p:txBody>
       </p:sp>
     </p:spTree>
     <p:extLst>
       <p:ext uri="{BB962C8B-B14F-4D97-AF65-F5344CB8AC3E}">
-        <p14:creationId xmlns:p14="http://schemas.microsoft.com/office/powerpoint/2010/main" val="2868668056"/>
+        <p14:creationId xmlns:p14="http://schemas.microsoft.com/office/powerpoint/2010/main" val="196405234"/>
       </p:ext>
     </p:extLst>
   </p:cSld>
@@ -18290,8 +18393,15 @@
     <a:masterClrMapping/>
   </p:clrMapOvr>
   <p:transition spd="slow">
-    <p:wipe dir="d"/>
+    <p:push dir="u"/>
   </p:transition>
+  <p:timing>
+    <p:tnLst>
+      <p:par>
+        <p:cTn id="1" dur="indefinite" restart="never" nodeType="tmRoot"/>
+      </p:par>
+    </p:tnLst>
+  </p:timing>
 </p:sld>
 </file>
 
@@ -18312,80 +18422,231 @@
           <a:chExt cx="0" cy="0"/>
         </a:xfrm>
       </p:grpSpPr>
-      <p:sp>
-        <p:nvSpPr>
-          <p:cNvPr id="2" name="Title 1"/>
-          <p:cNvSpPr>
-            <a:spLocks noGrp="1"/>
-          </p:cNvSpPr>
-          <p:nvPr>
-            <p:ph type="title"/>
-          </p:nvPr>
-        </p:nvSpPr>
-        <p:spPr/>
-        <p:txBody>
-          <a:bodyPr/>
-          <a:lstStyle/>
-          <a:p>
-            <a:r>
-              <a:rPr lang="en-US" dirty="0" smtClean="0"/>
-              <a:t>Validation</a:t>
-            </a:r>
-            <a:endParaRPr lang="en-US" dirty="0"/>
-          </a:p>
-        </p:txBody>
-      </p:sp>
-      <p:sp>
-        <p:nvSpPr>
-          <p:cNvPr id="3" name="Content Placeholder 2"/>
-          <p:cNvSpPr>
-            <a:spLocks noGrp="1"/>
-          </p:cNvSpPr>
-          <p:nvPr>
-            <p:ph idx="1"/>
-          </p:nvPr>
-        </p:nvSpPr>
-        <p:spPr/>
-        <p:txBody>
-          <a:bodyPr/>
-          <a:lstStyle/>
-          <a:p>
-            <a:r>
-              <a:rPr lang="en-US" dirty="0" smtClean="0"/>
-              <a:t>Acrobat Pro XI </a:t>
-            </a:r>
-          </a:p>
-          <a:p>
-            <a:endParaRPr lang="en-US" dirty="0" smtClean="0"/>
-          </a:p>
-          <a:p>
-            <a:r>
-              <a:rPr lang="en-US" dirty="0" smtClean="0"/>
-              <a:t>PAC 2</a:t>
-            </a:r>
-          </a:p>
-          <a:p>
-            <a:pPr lvl="1"/>
-            <a:r>
-              <a:rPr lang="en-US" dirty="0">
-                <a:hlinkClick r:id="rId2"/>
-              </a:rPr>
-              <a:t>http://</a:t>
-            </a:r>
-            <a:r>
-              <a:rPr lang="en-US" dirty="0" smtClean="0">
-                <a:hlinkClick r:id="rId2"/>
-              </a:rPr>
-              <a:t>www.access-for-all.ch/en/pdf-lab.html</a:t>
-            </a:r>
-            <a:endParaRPr lang="en-US" dirty="0" smtClean="0"/>
+      <p:pic>
+        <p:nvPicPr>
+          <p:cNvPr id="6" name="Picture 5"/>
+          <p:cNvPicPr>
+            <a:picLocks noChangeAspect="1"/>
+          </p:cNvPicPr>
+          <p:nvPr/>
+        </p:nvPicPr>
+        <p:blipFill>
+          <a:blip r:embed="rId3" cstate="email">
+            <a:extLst>
+              <a:ext uri="{28A0092B-C50C-407E-A947-70E740481C1C}">
+                <a14:useLocalDpi xmlns:a14="http://schemas.microsoft.com/office/drawing/2010/main"/>
+              </a:ext>
+            </a:extLst>
+          </a:blip>
+          <a:stretch>
+            <a:fillRect/>
+          </a:stretch>
+        </p:blipFill>
+        <p:spPr>
+          <a:xfrm>
+            <a:off x="-4963332" y="-6858000"/>
+            <a:ext cx="7765662" cy="16476125"/>
+          </a:xfrm>
+          <a:prstGeom prst="rect">
+            <a:avLst/>
+          </a:prstGeom>
+        </p:spPr>
+      </p:pic>
+      <p:pic>
+        <p:nvPicPr>
+          <p:cNvPr id="13" name="Picture 12"/>
+          <p:cNvPicPr>
+            <a:picLocks noChangeAspect="1"/>
+          </p:cNvPicPr>
+          <p:nvPr/>
+        </p:nvPicPr>
+        <p:blipFill rotWithShape="1">
+          <a:blip r:embed="rId4" cstate="email">
+            <a:extLst>
+              <a:ext uri="{28A0092B-C50C-407E-A947-70E740481C1C}">
+                <a14:useLocalDpi xmlns:a14="http://schemas.microsoft.com/office/drawing/2010/main"/>
+              </a:ext>
+            </a:extLst>
+          </a:blip>
+          <a:srcRect/>
+          <a:stretch/>
+        </p:blipFill>
+        <p:spPr>
+          <a:xfrm rot="20753331" flipH="1">
+            <a:off x="-316180" y="3775286"/>
+            <a:ext cx="2895600" cy="3390489"/>
+          </a:xfrm>
+          <a:prstGeom prst="rect">
+            <a:avLst/>
+          </a:prstGeom>
+        </p:spPr>
+      </p:pic>
+      <p:sp>
+        <p:nvSpPr>
+          <p:cNvPr id="5" name="TextBox 4"/>
+          <p:cNvSpPr txBox="1"/>
+          <p:nvPr/>
+        </p:nvSpPr>
+        <p:spPr>
+          <a:xfrm>
+            <a:off x="899592" y="476672"/>
+            <a:ext cx="7416824" cy="864096"/>
+          </a:xfrm>
+          <a:prstGeom prst="rect">
+            <a:avLst/>
+          </a:prstGeom>
+          <a:noFill/>
+        </p:spPr>
+        <p:txBody>
+          <a:bodyPr wrap="square" rtlCol="0">
+            <a:normAutofit fontScale="85000" lnSpcReduction="20000"/>
+          </a:bodyPr>
+          <a:lstStyle/>
+          <a:p>
+            <a:r>
+              <a:rPr lang="en-US" sz="7200" dirty="0" smtClean="0"/>
+              <a:t>PDF and Open Source</a:t>
+            </a:r>
+          </a:p>
+        </p:txBody>
+      </p:sp>
+      <p:sp>
+        <p:nvSpPr>
+          <p:cNvPr id="2" name="TextBox 1"/>
+          <p:cNvSpPr txBox="1"/>
+          <p:nvPr/>
+        </p:nvSpPr>
+        <p:spPr>
+          <a:xfrm>
+            <a:off x="899592" y="1405973"/>
+            <a:ext cx="7776864" cy="5262979"/>
+          </a:xfrm>
+          <a:prstGeom prst="rect">
+            <a:avLst/>
+          </a:prstGeom>
+          <a:noFill/>
+        </p:spPr>
+        <p:txBody>
+          <a:bodyPr wrap="square" rtlCol="0">
+            <a:spAutoFit/>
+          </a:bodyPr>
+          <a:lstStyle/>
+          <a:p>
+            <a:pPr marL="285750" indent="-285750">
+              <a:buFont typeface="Arial" pitchFamily="34" charset="0"/>
+              <a:buChar char="•"/>
+            </a:pPr>
+            <a:r>
+              <a:rPr lang="en-GB" sz="3600" dirty="0" smtClean="0"/>
+              <a:t>Pure Java PDF Render? </a:t>
+            </a:r>
+          </a:p>
+          <a:p>
+            <a:pPr marL="285750" indent="-285750">
+              <a:buFont typeface="Arial" pitchFamily="34" charset="0"/>
+              <a:buChar char="•"/>
+            </a:pPr>
+            <a:r>
+              <a:rPr lang="en-GB" sz="3600" dirty="0" smtClean="0"/>
+              <a:t>Java PDF</a:t>
+            </a:r>
+          </a:p>
+          <a:p>
+            <a:pPr marL="742950" lvl="1" indent="-285750">
+              <a:buFont typeface="Arial" pitchFamily="34" charset="0"/>
+              <a:buChar char="•"/>
+            </a:pPr>
+            <a:r>
+              <a:rPr lang="en-GB" sz="3600" dirty="0" smtClean="0"/>
+              <a:t>PDF library</a:t>
+            </a:r>
+          </a:p>
+          <a:p>
+            <a:pPr marL="1200150" lvl="2" indent="-285750">
+              <a:buFont typeface="Arial" pitchFamily="34" charset="0"/>
+              <a:buChar char="•"/>
+            </a:pPr>
+            <a:r>
+              <a:rPr lang="en-GB" sz="3200" dirty="0" smtClean="0"/>
+              <a:t>iText</a:t>
+            </a:r>
+          </a:p>
+          <a:p>
+            <a:pPr marL="1200150" lvl="2" indent="-285750">
+              <a:buFont typeface="Arial" pitchFamily="34" charset="0"/>
+              <a:buChar char="•"/>
+            </a:pPr>
+            <a:r>
+              <a:rPr lang="en-GB" sz="3200" dirty="0" smtClean="0"/>
+              <a:t>JPDF</a:t>
+            </a:r>
+            <a:endParaRPr lang="en-GB" sz="3200" dirty="0"/>
+          </a:p>
+          <a:p>
+            <a:pPr marL="742950" lvl="1" indent="-285750">
+              <a:buFont typeface="Arial" pitchFamily="34" charset="0"/>
+              <a:buChar char="•"/>
+            </a:pPr>
+            <a:r>
+              <a:rPr lang="en-GB" sz="3600" dirty="0" smtClean="0"/>
+              <a:t>PDF Render</a:t>
+            </a:r>
+          </a:p>
+          <a:p>
+            <a:pPr marL="1200150" lvl="2" indent="-285750">
+              <a:buFont typeface="Arial" pitchFamily="34" charset="0"/>
+              <a:buChar char="•"/>
+            </a:pPr>
+            <a:r>
+              <a:rPr lang="en-GB" sz="3200" dirty="0" err="1" smtClean="0"/>
+              <a:t>PDFBox</a:t>
+            </a:r>
+            <a:r>
+              <a:rPr lang="en-GB" sz="3200" dirty="0" smtClean="0"/>
+              <a:t> @ Apache</a:t>
+            </a:r>
+          </a:p>
+          <a:p>
+            <a:pPr marL="1200150" lvl="2" indent="-285750">
+              <a:buFont typeface="Arial" pitchFamily="34" charset="0"/>
+              <a:buChar char="•"/>
+            </a:pPr>
+            <a:r>
+              <a:rPr lang="en-GB" sz="3200" dirty="0" smtClean="0"/>
+              <a:t>IDR Solution </a:t>
+            </a:r>
+          </a:p>
+          <a:p>
+            <a:pPr marL="1200150" lvl="2" indent="-285750">
+              <a:buFont typeface="Arial" pitchFamily="34" charset="0"/>
+              <a:buChar char="•"/>
+            </a:pPr>
+            <a:r>
+              <a:rPr lang="en-GB" sz="3200" strike="sngStrike" dirty="0" err="1" smtClean="0"/>
+              <a:t>SunPDF</a:t>
+            </a:r>
+            <a:r>
+              <a:rPr lang="en-GB" sz="3200" strike="sngStrike" dirty="0" smtClean="0"/>
+              <a:t> </a:t>
+            </a:r>
+          </a:p>
+          <a:p>
+            <a:pPr marL="1200150" lvl="2" indent="-285750">
+              <a:buFont typeface="Arial" pitchFamily="34" charset="0"/>
+              <a:buChar char="•"/>
+            </a:pPr>
+            <a:r>
+              <a:rPr lang="en-GB" sz="3200" dirty="0" smtClean="0"/>
+              <a:t>ICEPDF</a:t>
+            </a:r>
+            <a:endParaRPr lang="en-GB" sz="3200" dirty="0"/>
           </a:p>
         </p:txBody>
       </p:sp>
     </p:spTree>
     <p:extLst>
       <p:ext uri="{BB962C8B-B14F-4D97-AF65-F5344CB8AC3E}">
-        <p14:creationId xmlns:p14="http://schemas.microsoft.com/office/powerpoint/2010/main" val="914957109"/>
+        <p14:creationId xmlns:p14="http://schemas.microsoft.com/office/powerpoint/2010/main" val="3101088202"/>
       </p:ext>
     </p:extLst>
   </p:cSld>
@@ -18393,8 +18654,15 @@
     <a:masterClrMapping/>
   </p:clrMapOvr>
   <p:transition spd="slow">
-    <p:wipe dir="d"/>
+    <p:push dir="u"/>
   </p:transition>
+  <p:timing>
+    <p:tnLst>
+      <p:par>
+        <p:cTn id="1" dur="indefinite" restart="never" nodeType="tmRoot"/>
+      </p:par>
+    </p:tnLst>
+  </p:timing>
 </p:sld>
 </file>
 
@@ -18512,7 +18780,7 @@
         <p:spPr>
           <a:xfrm>
             <a:off x="899592" y="1405973"/>
-            <a:ext cx="7776864" cy="1754326"/>
+            <a:ext cx="7776864" cy="1569660"/>
           </a:xfrm>
           <a:prstGeom prst="rect">
             <a:avLst/>
@@ -18530,43 +18798,46 @@
               <a:buChar char="•"/>
             </a:pPr>
             <a:r>
-              <a:rPr lang="en-GB" sz="3600" dirty="0" err="1" smtClean="0"/>
-              <a:t>Foxit</a:t>
-            </a:r>
-            <a:r>
-              <a:rPr lang="en-GB" sz="3600" dirty="0" smtClean="0"/>
-              <a:t> &amp; </a:t>
-            </a:r>
-            <a:r>
-              <a:rPr lang="en-GB" sz="3600" dirty="0" err="1" smtClean="0"/>
-              <a:t>PDFium</a:t>
-            </a:r>
-            <a:endParaRPr lang="en-GB" sz="3600" dirty="0" smtClean="0"/>
-          </a:p>
-          <a:p>
-            <a:pPr marL="285750" indent="-285750">
+              <a:rPr lang="en-GB" sz="3200" dirty="0" smtClean="0"/>
+              <a:t>PDF &amp; HTML5</a:t>
+            </a:r>
+          </a:p>
+          <a:p>
+            <a:pPr marL="742950" lvl="1" indent="-285750">
               <a:buFont typeface="Arial" pitchFamily="34" charset="0"/>
               <a:buChar char="•"/>
             </a:pPr>
-            <a:endParaRPr lang="en-GB" sz="3600" dirty="0"/>
-          </a:p>
-          <a:p>
-            <a:pPr marL="285750" indent="-285750">
+            <a:r>
+              <a:rPr lang="en-GB" sz="3200" dirty="0"/>
+              <a:t>pdf.js </a:t>
+            </a:r>
+            <a:r>
+              <a:rPr lang="en-GB" sz="3200" dirty="0">
+                <a:hlinkClick r:id="rId5"/>
+              </a:rPr>
+              <a:t>http://mozilla.github.io/pdf.js</a:t>
+            </a:r>
+            <a:r>
+              <a:rPr lang="en-GB" sz="3200" dirty="0" smtClean="0">
+                <a:hlinkClick r:id="rId5"/>
+              </a:rPr>
+              <a:t>/</a:t>
+            </a:r>
+            <a:endParaRPr lang="en-GB" sz="3200" dirty="0"/>
+          </a:p>
+          <a:p>
+            <a:pPr marL="742950" lvl="1" indent="-285750">
               <a:buFont typeface="Arial" pitchFamily="34" charset="0"/>
               <a:buChar char="•"/>
             </a:pPr>
-            <a:r>
-              <a:rPr lang="en-GB" sz="3600" dirty="0" err="1" smtClean="0"/>
-              <a:t>GhostScript</a:t>
-            </a:r>
-            <a:endParaRPr lang="en-GB" sz="3600" dirty="0"/>
+            <a:endParaRPr lang="en-GB" sz="3200" dirty="0"/>
           </a:p>
         </p:txBody>
       </p:sp>
     </p:spTree>
     <p:extLst>
       <p:ext uri="{BB962C8B-B14F-4D97-AF65-F5344CB8AC3E}">
-        <p14:creationId xmlns:p14="http://schemas.microsoft.com/office/powerpoint/2010/main" val="196405234"/>
+        <p14:creationId xmlns:p14="http://schemas.microsoft.com/office/powerpoint/2010/main" val="1205874398"/>
       </p:ext>
     </p:extLst>
   </p:cSld>
@@ -18694,463 +18965,6 @@
 </file>
 
 <file path=ppt/slides/slide70.xml><?xml version="1.0" encoding="utf-8"?>
-<p:sld xmlns:a="http://schemas.openxmlformats.org/drawingml/2006/main" xmlns:r="http://schemas.openxmlformats.org/officeDocument/2006/relationships" xmlns:p="http://schemas.openxmlformats.org/presentationml/2006/main">
-  <p:cSld>
-    <p:spTree>
-      <p:nvGrpSpPr>
-        <p:cNvPr id="1" name=""/>
-        <p:cNvGrpSpPr/>
-        <p:nvPr/>
-      </p:nvGrpSpPr>
-      <p:grpSpPr>
-        <a:xfrm>
-          <a:off x="0" y="0"/>
-          <a:ext cx="0" cy="0"/>
-          <a:chOff x="0" y="0"/>
-          <a:chExt cx="0" cy="0"/>
-        </a:xfrm>
-      </p:grpSpPr>
-      <p:pic>
-        <p:nvPicPr>
-          <p:cNvPr id="6" name="Picture 5"/>
-          <p:cNvPicPr>
-            <a:picLocks noChangeAspect="1"/>
-          </p:cNvPicPr>
-          <p:nvPr/>
-        </p:nvPicPr>
-        <p:blipFill>
-          <a:blip r:embed="rId3" cstate="email">
-            <a:extLst>
-              <a:ext uri="{28A0092B-C50C-407E-A947-70E740481C1C}">
-                <a14:useLocalDpi xmlns:a14="http://schemas.microsoft.com/office/drawing/2010/main"/>
-              </a:ext>
-            </a:extLst>
-          </a:blip>
-          <a:stretch>
-            <a:fillRect/>
-          </a:stretch>
-        </p:blipFill>
-        <p:spPr>
-          <a:xfrm>
-            <a:off x="-4963332" y="-6858000"/>
-            <a:ext cx="7765662" cy="16476125"/>
-          </a:xfrm>
-          <a:prstGeom prst="rect">
-            <a:avLst/>
-          </a:prstGeom>
-        </p:spPr>
-      </p:pic>
-      <p:pic>
-        <p:nvPicPr>
-          <p:cNvPr id="13" name="Picture 12"/>
-          <p:cNvPicPr>
-            <a:picLocks noChangeAspect="1"/>
-          </p:cNvPicPr>
-          <p:nvPr/>
-        </p:nvPicPr>
-        <p:blipFill rotWithShape="1">
-          <a:blip r:embed="rId4" cstate="email">
-            <a:extLst>
-              <a:ext uri="{28A0092B-C50C-407E-A947-70E740481C1C}">
-                <a14:useLocalDpi xmlns:a14="http://schemas.microsoft.com/office/drawing/2010/main"/>
-              </a:ext>
-            </a:extLst>
-          </a:blip>
-          <a:srcRect/>
-          <a:stretch/>
-        </p:blipFill>
-        <p:spPr>
-          <a:xfrm rot="20753331" flipH="1">
-            <a:off x="-316180" y="3775286"/>
-            <a:ext cx="2895600" cy="3390489"/>
-          </a:xfrm>
-          <a:prstGeom prst="rect">
-            <a:avLst/>
-          </a:prstGeom>
-        </p:spPr>
-      </p:pic>
-      <p:sp>
-        <p:nvSpPr>
-          <p:cNvPr id="5" name="TextBox 4"/>
-          <p:cNvSpPr txBox="1"/>
-          <p:nvPr/>
-        </p:nvSpPr>
-        <p:spPr>
-          <a:xfrm>
-            <a:off x="899592" y="476672"/>
-            <a:ext cx="7416824" cy="864096"/>
-          </a:xfrm>
-          <a:prstGeom prst="rect">
-            <a:avLst/>
-          </a:prstGeom>
-          <a:noFill/>
-        </p:spPr>
-        <p:txBody>
-          <a:bodyPr wrap="square" rtlCol="0">
-            <a:normAutofit fontScale="85000" lnSpcReduction="20000"/>
-          </a:bodyPr>
-          <a:lstStyle/>
-          <a:p>
-            <a:r>
-              <a:rPr lang="en-US" sz="7200" dirty="0" smtClean="0"/>
-              <a:t>PDF and Open Source</a:t>
-            </a:r>
-          </a:p>
-        </p:txBody>
-      </p:sp>
-      <p:sp>
-        <p:nvSpPr>
-          <p:cNvPr id="2" name="TextBox 1"/>
-          <p:cNvSpPr txBox="1"/>
-          <p:nvPr/>
-        </p:nvSpPr>
-        <p:spPr>
-          <a:xfrm>
-            <a:off x="899592" y="1405973"/>
-            <a:ext cx="7776864" cy="5262979"/>
-          </a:xfrm>
-          <a:prstGeom prst="rect">
-            <a:avLst/>
-          </a:prstGeom>
-          <a:noFill/>
-        </p:spPr>
-        <p:txBody>
-          <a:bodyPr wrap="square" rtlCol="0">
-            <a:spAutoFit/>
-          </a:bodyPr>
-          <a:lstStyle/>
-          <a:p>
-            <a:pPr marL="285750" indent="-285750">
-              <a:buFont typeface="Arial" pitchFamily="34" charset="0"/>
-              <a:buChar char="•"/>
-            </a:pPr>
-            <a:r>
-              <a:rPr lang="en-GB" sz="3600" dirty="0" smtClean="0"/>
-              <a:t>Pure Java PDF Render? </a:t>
-            </a:r>
-            <a:endParaRPr lang="en-GB" sz="3600" dirty="0" smtClean="0"/>
-          </a:p>
-          <a:p>
-            <a:pPr marL="285750" indent="-285750">
-              <a:buFont typeface="Arial" pitchFamily="34" charset="0"/>
-              <a:buChar char="•"/>
-            </a:pPr>
-            <a:r>
-              <a:rPr lang="en-GB" sz="3600" dirty="0" smtClean="0"/>
-              <a:t>Java </a:t>
-            </a:r>
-            <a:r>
-              <a:rPr lang="en-GB" sz="3600" dirty="0" smtClean="0"/>
-              <a:t>PDF</a:t>
-            </a:r>
-          </a:p>
-          <a:p>
-            <a:pPr marL="742950" lvl="1" indent="-285750">
-              <a:buFont typeface="Arial" pitchFamily="34" charset="0"/>
-              <a:buChar char="•"/>
-            </a:pPr>
-            <a:r>
-              <a:rPr lang="en-GB" sz="3600" dirty="0" smtClean="0"/>
-              <a:t>PDF library</a:t>
-            </a:r>
-          </a:p>
-          <a:p>
-            <a:pPr marL="1200150" lvl="2" indent="-285750">
-              <a:buFont typeface="Arial" pitchFamily="34" charset="0"/>
-              <a:buChar char="•"/>
-            </a:pPr>
-            <a:r>
-              <a:rPr lang="en-GB" sz="3200" dirty="0" smtClean="0"/>
-              <a:t>iText</a:t>
-            </a:r>
-          </a:p>
-          <a:p>
-            <a:pPr marL="1200150" lvl="2" indent="-285750">
-              <a:buFont typeface="Arial" pitchFamily="34" charset="0"/>
-              <a:buChar char="•"/>
-            </a:pPr>
-            <a:r>
-              <a:rPr lang="en-GB" sz="3200" dirty="0" smtClean="0"/>
-              <a:t>JPDF</a:t>
-            </a:r>
-            <a:endParaRPr lang="en-GB" sz="3200" dirty="0"/>
-          </a:p>
-          <a:p>
-            <a:pPr marL="742950" lvl="1" indent="-285750">
-              <a:buFont typeface="Arial" pitchFamily="34" charset="0"/>
-              <a:buChar char="•"/>
-            </a:pPr>
-            <a:r>
-              <a:rPr lang="en-GB" sz="3600" dirty="0" smtClean="0"/>
-              <a:t>PDF Render</a:t>
-            </a:r>
-          </a:p>
-          <a:p>
-            <a:pPr marL="1200150" lvl="2" indent="-285750">
-              <a:buFont typeface="Arial" pitchFamily="34" charset="0"/>
-              <a:buChar char="•"/>
-            </a:pPr>
-            <a:r>
-              <a:rPr lang="en-GB" sz="3200" dirty="0" err="1" smtClean="0"/>
-              <a:t>PDFBox</a:t>
-            </a:r>
-            <a:r>
-              <a:rPr lang="en-GB" sz="3200" dirty="0" smtClean="0"/>
-              <a:t> @ Apache</a:t>
-            </a:r>
-          </a:p>
-          <a:p>
-            <a:pPr marL="1200150" lvl="2" indent="-285750">
-              <a:buFont typeface="Arial" pitchFamily="34" charset="0"/>
-              <a:buChar char="•"/>
-            </a:pPr>
-            <a:r>
-              <a:rPr lang="en-GB" sz="3200" dirty="0" smtClean="0"/>
-              <a:t>IDR Solution </a:t>
-            </a:r>
-          </a:p>
-          <a:p>
-            <a:pPr marL="1200150" lvl="2" indent="-285750">
-              <a:buFont typeface="Arial" pitchFamily="34" charset="0"/>
-              <a:buChar char="•"/>
-            </a:pPr>
-            <a:r>
-              <a:rPr lang="en-GB" sz="3200" dirty="0" err="1" smtClean="0"/>
-              <a:t>SunPDF</a:t>
-            </a:r>
-            <a:r>
-              <a:rPr lang="en-GB" sz="3200" dirty="0" smtClean="0"/>
-              <a:t> </a:t>
-            </a:r>
-          </a:p>
-          <a:p>
-            <a:pPr marL="1200150" lvl="2" indent="-285750">
-              <a:buFont typeface="Arial" pitchFamily="34" charset="0"/>
-              <a:buChar char="•"/>
-            </a:pPr>
-            <a:r>
-              <a:rPr lang="en-GB" sz="3200" dirty="0" smtClean="0"/>
-              <a:t>ICEPDF</a:t>
-            </a:r>
-            <a:endParaRPr lang="en-GB" sz="3200" dirty="0"/>
-          </a:p>
-        </p:txBody>
-      </p:sp>
-    </p:spTree>
-    <p:extLst>
-      <p:ext uri="{BB962C8B-B14F-4D97-AF65-F5344CB8AC3E}">
-        <p14:creationId xmlns:p14="http://schemas.microsoft.com/office/powerpoint/2010/main" val="3101088202"/>
-      </p:ext>
-    </p:extLst>
-  </p:cSld>
-  <p:clrMapOvr>
-    <a:masterClrMapping/>
-  </p:clrMapOvr>
-  <p:transition spd="slow">
-    <p:push dir="u"/>
-  </p:transition>
-  <p:timing>
-    <p:tnLst>
-      <p:par>
-        <p:cTn id="1" dur="indefinite" restart="never" nodeType="tmRoot"/>
-      </p:par>
-    </p:tnLst>
-  </p:timing>
-</p:sld>
-</file>
-
-<file path=ppt/slides/slide71.xml><?xml version="1.0" encoding="utf-8"?>
-<p:sld xmlns:a="http://schemas.openxmlformats.org/drawingml/2006/main" xmlns:r="http://schemas.openxmlformats.org/officeDocument/2006/relationships" xmlns:p="http://schemas.openxmlformats.org/presentationml/2006/main">
-  <p:cSld>
-    <p:spTree>
-      <p:nvGrpSpPr>
-        <p:cNvPr id="1" name=""/>
-        <p:cNvGrpSpPr/>
-        <p:nvPr/>
-      </p:nvGrpSpPr>
-      <p:grpSpPr>
-        <a:xfrm>
-          <a:off x="0" y="0"/>
-          <a:ext cx="0" cy="0"/>
-          <a:chOff x="0" y="0"/>
-          <a:chExt cx="0" cy="0"/>
-        </a:xfrm>
-      </p:grpSpPr>
-      <p:pic>
-        <p:nvPicPr>
-          <p:cNvPr id="6" name="Picture 5"/>
-          <p:cNvPicPr>
-            <a:picLocks noChangeAspect="1"/>
-          </p:cNvPicPr>
-          <p:nvPr/>
-        </p:nvPicPr>
-        <p:blipFill>
-          <a:blip r:embed="rId3" cstate="email">
-            <a:extLst>
-              <a:ext uri="{28A0092B-C50C-407E-A947-70E740481C1C}">
-                <a14:useLocalDpi xmlns:a14="http://schemas.microsoft.com/office/drawing/2010/main"/>
-              </a:ext>
-            </a:extLst>
-          </a:blip>
-          <a:stretch>
-            <a:fillRect/>
-          </a:stretch>
-        </p:blipFill>
-        <p:spPr>
-          <a:xfrm>
-            <a:off x="-4963332" y="-6858000"/>
-            <a:ext cx="7765662" cy="16476125"/>
-          </a:xfrm>
-          <a:prstGeom prst="rect">
-            <a:avLst/>
-          </a:prstGeom>
-        </p:spPr>
-      </p:pic>
-      <p:pic>
-        <p:nvPicPr>
-          <p:cNvPr id="13" name="Picture 12"/>
-          <p:cNvPicPr>
-            <a:picLocks noChangeAspect="1"/>
-          </p:cNvPicPr>
-          <p:nvPr/>
-        </p:nvPicPr>
-        <p:blipFill rotWithShape="1">
-          <a:blip r:embed="rId4" cstate="email">
-            <a:extLst>
-              <a:ext uri="{28A0092B-C50C-407E-A947-70E740481C1C}">
-                <a14:useLocalDpi xmlns:a14="http://schemas.microsoft.com/office/drawing/2010/main"/>
-              </a:ext>
-            </a:extLst>
-          </a:blip>
-          <a:srcRect/>
-          <a:stretch/>
-        </p:blipFill>
-        <p:spPr>
-          <a:xfrm rot="20753331" flipH="1">
-            <a:off x="-316180" y="3775286"/>
-            <a:ext cx="2895600" cy="3390489"/>
-          </a:xfrm>
-          <a:prstGeom prst="rect">
-            <a:avLst/>
-          </a:prstGeom>
-        </p:spPr>
-      </p:pic>
-      <p:sp>
-        <p:nvSpPr>
-          <p:cNvPr id="5" name="TextBox 4"/>
-          <p:cNvSpPr txBox="1"/>
-          <p:nvPr/>
-        </p:nvSpPr>
-        <p:spPr>
-          <a:xfrm>
-            <a:off x="899592" y="476672"/>
-            <a:ext cx="7416824" cy="864096"/>
-          </a:xfrm>
-          <a:prstGeom prst="rect">
-            <a:avLst/>
-          </a:prstGeom>
-          <a:noFill/>
-        </p:spPr>
-        <p:txBody>
-          <a:bodyPr wrap="square" rtlCol="0">
-            <a:normAutofit fontScale="85000" lnSpcReduction="20000"/>
-          </a:bodyPr>
-          <a:lstStyle/>
-          <a:p>
-            <a:r>
-              <a:rPr lang="en-US" sz="7200" dirty="0" smtClean="0"/>
-              <a:t>PDF and Open Source</a:t>
-            </a:r>
-          </a:p>
-        </p:txBody>
-      </p:sp>
-      <p:sp>
-        <p:nvSpPr>
-          <p:cNvPr id="2" name="TextBox 1"/>
-          <p:cNvSpPr txBox="1"/>
-          <p:nvPr/>
-        </p:nvSpPr>
-        <p:spPr>
-          <a:xfrm>
-            <a:off x="899592" y="1405973"/>
-            <a:ext cx="7776864" cy="1569660"/>
-          </a:xfrm>
-          <a:prstGeom prst="rect">
-            <a:avLst/>
-          </a:prstGeom>
-          <a:noFill/>
-        </p:spPr>
-        <p:txBody>
-          <a:bodyPr wrap="square" rtlCol="0">
-            <a:spAutoFit/>
-          </a:bodyPr>
-          <a:lstStyle/>
-          <a:p>
-            <a:pPr marL="285750" indent="-285750">
-              <a:buFont typeface="Arial" pitchFamily="34" charset="0"/>
-              <a:buChar char="•"/>
-            </a:pPr>
-            <a:r>
-              <a:rPr lang="en-GB" sz="3200" dirty="0" smtClean="0"/>
-              <a:t>PDF &amp; HTML5</a:t>
-            </a:r>
-          </a:p>
-          <a:p>
-            <a:pPr marL="742950" lvl="1" indent="-285750">
-              <a:buFont typeface="Arial" pitchFamily="34" charset="0"/>
-              <a:buChar char="•"/>
-            </a:pPr>
-            <a:r>
-              <a:rPr lang="en-GB" sz="3200" dirty="0"/>
-              <a:t>pdf.js </a:t>
-            </a:r>
-            <a:r>
-              <a:rPr lang="en-GB" sz="3200" dirty="0">
-                <a:hlinkClick r:id="rId5"/>
-              </a:rPr>
-              <a:t>http://mozilla.github.io/pdf.js</a:t>
-            </a:r>
-            <a:r>
-              <a:rPr lang="en-GB" sz="3200" dirty="0" smtClean="0">
-                <a:hlinkClick r:id="rId5"/>
-              </a:rPr>
-              <a:t>/</a:t>
-            </a:r>
-            <a:endParaRPr lang="en-GB" sz="3200" dirty="0"/>
-          </a:p>
-          <a:p>
-            <a:pPr marL="742950" lvl="1" indent="-285750">
-              <a:buFont typeface="Arial" pitchFamily="34" charset="0"/>
-              <a:buChar char="•"/>
-            </a:pPr>
-            <a:endParaRPr lang="en-GB" sz="3200" dirty="0"/>
-          </a:p>
-        </p:txBody>
-      </p:sp>
-    </p:spTree>
-    <p:extLst>
-      <p:ext uri="{BB962C8B-B14F-4D97-AF65-F5344CB8AC3E}">
-        <p14:creationId xmlns:p14="http://schemas.microsoft.com/office/powerpoint/2010/main" val="1205874398"/>
-      </p:ext>
-    </p:extLst>
-  </p:cSld>
-  <p:clrMapOvr>
-    <a:masterClrMapping/>
-  </p:clrMapOvr>
-  <p:transition spd="slow">
-    <p:push dir="u"/>
-  </p:transition>
-  <p:timing>
-    <p:tnLst>
-      <p:par>
-        <p:cTn id="1" dur="indefinite" restart="never" nodeType="tmRoot"/>
-      </p:par>
-    </p:tnLst>
-  </p:timing>
-</p:sld>
-</file>
-
-<file path=ppt/slides/slide72.xml><?xml version="1.0" encoding="utf-8"?>
 <p:sld xmlns:a="http://schemas.openxmlformats.org/drawingml/2006/main" xmlns:r="http://schemas.openxmlformats.org/officeDocument/2006/relationships" xmlns:p="http://schemas.openxmlformats.org/presentationml/2006/main">
   <p:cSld>
     <p:spTree>
